--- a/Презентация.pptx
+++ b/Презентация.pptx
@@ -13,31 +13,31 @@
     <p:sldId id="265" r:id="rId4"/>
     <p:sldId id="266" r:id="rId5"/>
     <p:sldId id="267" r:id="rId6"/>
-    <p:sldId id="268" r:id="rId7"/>
-    <p:sldId id="272" r:id="rId8"/>
-    <p:sldId id="269" r:id="rId9"/>
-    <p:sldId id="280" r:id="rId10"/>
+    <p:sldId id="280" r:id="rId7"/>
+    <p:sldId id="268" r:id="rId8"/>
+    <p:sldId id="272" r:id="rId9"/>
+    <p:sldId id="269" r:id="rId10"/>
     <p:sldId id="279" r:id="rId11"/>
   </p:sldIdLst>
   <p:sldSz cx="9144000" cy="5143500" type="screen16x9"/>
   <p:notesSz cx="6858000" cy="9144000"/>
   <p:embeddedFontLst>
     <p:embeddedFont>
-      <p:font typeface="Roboto" panose="020B0604020202020204" charset="0"/>
+      <p:font typeface="IBM Plex Sans SemiBold" panose="020B0604020202020204" charset="0"/>
       <p:regular r:id="rId13"/>
       <p:bold r:id="rId14"/>
       <p:italic r:id="rId15"/>
       <p:boldItalic r:id="rId16"/>
     </p:embeddedFont>
     <p:embeddedFont>
-      <p:font typeface="IBM Plex Sans" panose="020B0604020202020204" charset="0"/>
+      <p:font typeface="Roboto" panose="020B0604020202020204" charset="0"/>
       <p:regular r:id="rId17"/>
       <p:bold r:id="rId18"/>
       <p:italic r:id="rId19"/>
       <p:boldItalic r:id="rId20"/>
     </p:embeddedFont>
     <p:embeddedFont>
-      <p:font typeface="IBM Plex Sans SemiBold" panose="020B0604020202020204" charset="0"/>
+      <p:font typeface="IBM Plex Sans" panose="020B0604020202020204" charset="0"/>
       <p:regular r:id="rId21"/>
       <p:bold r:id="rId22"/>
       <p:italic r:id="rId23"/>
@@ -1050,23 +1050,30 @@
       <dgm:spPr/>
     </dgm:pt>
     <dgm:pt modelId="{0C83E44B-9CF9-4854-8039-8A78CA0ED729}">
-      <dgm:prSet phldrT="[Текст]"/>
+      <dgm:prSet phldrT="[Текст]" custT="1"/>
       <dgm:spPr/>
       <dgm:t>
         <a:bodyPr/>
         <a:lstStyle/>
         <a:p>
           <a:r>
-            <a:rPr lang="ru-RU" dirty="0" smtClean="0"/>
-            <a:t>Макет </a:t>
+            <a:rPr lang="ru-RU" sz="3500" dirty="0" smtClean="0"/>
+            <a:t>Макет</a:t>
           </a:r>
           <a:r>
-            <a:rPr lang="en-US" dirty="0" smtClean="0">
+            <a:rPr lang="ru-RU" sz="3700" dirty="0" smtClean="0"/>
+            <a:t> </a:t>
+          </a:r>
+          <a:r>
+            <a:rPr lang="en-US" sz="3700" dirty="0" smtClean="0">
+              <a:solidFill>
+                <a:schemeClr val="bg1"/>
+              </a:solidFill>
               <a:hlinkClick xmlns:r="http://schemas.openxmlformats.org/officeDocument/2006/relationships" r:id="rId1" action="ppaction://hlinkfile"/>
             </a:rPr>
             <a:t>1.jpg</a:t>
           </a:r>
-          <a:endParaRPr lang="ru-RU" dirty="0">
+          <a:endParaRPr lang="ru-RU" sz="3700" dirty="0">
             <a:solidFill>
               <a:schemeClr val="bg1"/>
             </a:solidFill>
@@ -1097,23 +1104,23 @@
       </dgm:t>
     </dgm:pt>
     <dgm:pt modelId="{1BD27CC4-07CF-428B-B854-B1B79C755843}">
-      <dgm:prSet phldrT="[Текст]"/>
+      <dgm:prSet phldrT="[Текст]" custT="1"/>
       <dgm:spPr/>
       <dgm:t>
         <a:bodyPr/>
         <a:lstStyle/>
         <a:p>
           <a:r>
-            <a:rPr lang="ru-RU" dirty="0" smtClean="0"/>
+            <a:rPr lang="ru-RU" sz="3500" dirty="0" smtClean="0"/>
             <a:t>Вторичный прототип, принятый в работу </a:t>
           </a:r>
           <a:r>
-            <a:rPr lang="en-US" dirty="0" smtClean="0">
+            <a:rPr lang="en-US" sz="3700" dirty="0" smtClean="0">
               <a:hlinkClick xmlns:r="http://schemas.openxmlformats.org/officeDocument/2006/relationships" r:id="rId2" action="ppaction://hlinkfile"/>
             </a:rPr>
             <a:t>3.png</a:t>
           </a:r>
-          <a:endParaRPr lang="ru-RU" dirty="0"/>
+          <a:endParaRPr lang="ru-RU" sz="3700" dirty="0"/>
         </a:p>
       </dgm:t>
     </dgm:pt>
@@ -1140,27 +1147,27 @@
       </dgm:t>
     </dgm:pt>
     <dgm:pt modelId="{F73A6B5F-0750-4DEB-96A7-B624D4F98696}">
-      <dgm:prSet phldrT="[Текст]"/>
+      <dgm:prSet phldrT="[Текст]" custT="1"/>
       <dgm:spPr/>
       <dgm:t>
         <a:bodyPr/>
         <a:lstStyle/>
         <a:p>
           <a:r>
-            <a:rPr lang="ru-RU" dirty="0" smtClean="0"/>
+            <a:rPr lang="ru-RU" sz="3500" dirty="0" smtClean="0"/>
             <a:t>Первичный прототип </a:t>
           </a:r>
           <a:r>
-            <a:rPr lang="en-US" dirty="0" smtClean="0">
+            <a:rPr lang="en-US" sz="3700" dirty="0" smtClean="0">
               <a:hlinkClick xmlns:r="http://schemas.openxmlformats.org/officeDocument/2006/relationships" r:id="rId3" action="ppaction://hlinkfile"/>
             </a:rPr>
             <a:t>2.png</a:t>
           </a:r>
           <a:r>
-            <a:rPr lang="ru-RU" dirty="0" smtClean="0"/>
+            <a:rPr lang="ru-RU" sz="3700" dirty="0" smtClean="0"/>
             <a:t> </a:t>
           </a:r>
-          <a:endParaRPr lang="ru-RU" dirty="0"/>
+          <a:endParaRPr lang="ru-RU" sz="3700" dirty="0"/>
         </a:p>
       </dgm:t>
     </dgm:pt>
@@ -1337,16 +1344,16 @@
     </dgm:pt>
   </dgm:ptLst>
   <dgm:cxnLst>
+    <dgm:cxn modelId="{9D719CDA-3F25-4B5F-A39B-D0430869D5D6}" type="presOf" srcId="{0B3DBA32-4E03-4C37-8C59-3FE2281F308A}" destId="{C0BD703A-4702-4684-98AF-057C0CBDDD77}" srcOrd="0" destOrd="0" presId="urn:microsoft.com/office/officeart/2005/8/layout/vList4"/>
     <dgm:cxn modelId="{3CB4BFEB-D7D2-48B3-86D7-368137E087B0}" srcId="{0B3DBA32-4E03-4C37-8C59-3FE2281F308A}" destId="{0C83E44B-9CF9-4854-8039-8A78CA0ED729}" srcOrd="0" destOrd="0" parTransId="{8B1F4C2E-E9E4-46A8-BA9E-9DBBA732B9EB}" sibTransId="{F6B34FD8-5296-49BC-B1BA-F155257F87E8}"/>
+    <dgm:cxn modelId="{D6BD13BF-CD98-4AEF-8CEE-A0BBDCAEEB41}" type="presOf" srcId="{F73A6B5F-0750-4DEB-96A7-B624D4F98696}" destId="{62DDECD8-D5F3-47D4-8E5F-58E6A4BE432E}" srcOrd="0" destOrd="0" presId="urn:microsoft.com/office/officeart/2005/8/layout/vList4"/>
+    <dgm:cxn modelId="{4583B949-D271-4407-B856-1E93459AE444}" type="presOf" srcId="{1BD27CC4-07CF-428B-B854-B1B79C755843}" destId="{EE74EB7E-D768-4515-99E0-3D157E2CB9B6}" srcOrd="0" destOrd="0" presId="urn:microsoft.com/office/officeart/2005/8/layout/vList4"/>
     <dgm:cxn modelId="{B32C43FD-F5F1-454D-ACE9-088F558C1E7E}" type="presOf" srcId="{1BD27CC4-07CF-428B-B854-B1B79C755843}" destId="{97B48721-7DF9-40C6-9463-D6065A9FDAC7}" srcOrd="1" destOrd="0" presId="urn:microsoft.com/office/officeart/2005/8/layout/vList4"/>
+    <dgm:cxn modelId="{9801D3CB-57AA-4F4F-8569-085AD2A17F79}" srcId="{0B3DBA32-4E03-4C37-8C59-3FE2281F308A}" destId="{F73A6B5F-0750-4DEB-96A7-B624D4F98696}" srcOrd="1" destOrd="0" parTransId="{43D81FB5-5B3E-4F87-B05F-85DEF1A43417}" sibTransId="{D15D4EF3-E8DB-4BAF-9470-9B3314B9930C}"/>
     <dgm:cxn modelId="{35A17485-2AC1-48CD-A8A6-8EB44C029202}" type="presOf" srcId="{0C83E44B-9CF9-4854-8039-8A78CA0ED729}" destId="{E62985D5-AFEC-409D-95C2-BA990AF077D2}" srcOrd="0" destOrd="0" presId="urn:microsoft.com/office/officeart/2005/8/layout/vList4"/>
+    <dgm:cxn modelId="{38302F55-8111-4D78-85DE-23BA05F6678B}" type="presOf" srcId="{0C83E44B-9CF9-4854-8039-8A78CA0ED729}" destId="{62826057-EAA5-402D-91CF-34675B359D02}" srcOrd="1" destOrd="0" presId="urn:microsoft.com/office/officeart/2005/8/layout/vList4"/>
     <dgm:cxn modelId="{476381D4-5EC5-4C39-9B3B-8587E99C1A0D}" type="presOf" srcId="{F73A6B5F-0750-4DEB-96A7-B624D4F98696}" destId="{16EFE350-8D5A-4182-B2FB-2AA84F432A63}" srcOrd="1" destOrd="0" presId="urn:microsoft.com/office/officeart/2005/8/layout/vList4"/>
-    <dgm:cxn modelId="{9801D3CB-57AA-4F4F-8569-085AD2A17F79}" srcId="{0B3DBA32-4E03-4C37-8C59-3FE2281F308A}" destId="{F73A6B5F-0750-4DEB-96A7-B624D4F98696}" srcOrd="1" destOrd="0" parTransId="{43D81FB5-5B3E-4F87-B05F-85DEF1A43417}" sibTransId="{D15D4EF3-E8DB-4BAF-9470-9B3314B9930C}"/>
-    <dgm:cxn modelId="{9D719CDA-3F25-4B5F-A39B-D0430869D5D6}" type="presOf" srcId="{0B3DBA32-4E03-4C37-8C59-3FE2281F308A}" destId="{C0BD703A-4702-4684-98AF-057C0CBDDD77}" srcOrd="0" destOrd="0" presId="urn:microsoft.com/office/officeart/2005/8/layout/vList4"/>
-    <dgm:cxn modelId="{38302F55-8111-4D78-85DE-23BA05F6678B}" type="presOf" srcId="{0C83E44B-9CF9-4854-8039-8A78CA0ED729}" destId="{62826057-EAA5-402D-91CF-34675B359D02}" srcOrd="1" destOrd="0" presId="urn:microsoft.com/office/officeart/2005/8/layout/vList4"/>
-    <dgm:cxn modelId="{4583B949-D271-4407-B856-1E93459AE444}" type="presOf" srcId="{1BD27CC4-07CF-428B-B854-B1B79C755843}" destId="{EE74EB7E-D768-4515-99E0-3D157E2CB9B6}" srcOrd="0" destOrd="0" presId="urn:microsoft.com/office/officeart/2005/8/layout/vList4"/>
     <dgm:cxn modelId="{BD2E29F7-7DE7-4484-B1F1-3F0FD7CCDF8E}" srcId="{0B3DBA32-4E03-4C37-8C59-3FE2281F308A}" destId="{1BD27CC4-07CF-428B-B854-B1B79C755843}" srcOrd="2" destOrd="0" parTransId="{701183E6-4454-42F3-8E22-7B33116ED3D2}" sibTransId="{095FC051-903B-40DF-AB63-31C6BF0E1216}"/>
-    <dgm:cxn modelId="{D6BD13BF-CD98-4AEF-8CEE-A0BBDCAEEB41}" type="presOf" srcId="{F73A6B5F-0750-4DEB-96A7-B624D4F98696}" destId="{62DDECD8-D5F3-47D4-8E5F-58E6A4BE432E}" srcOrd="0" destOrd="0" presId="urn:microsoft.com/office/officeart/2005/8/layout/vList4"/>
     <dgm:cxn modelId="{8341150F-1DD5-41B7-A34A-1E10FF04C6A5}" type="presParOf" srcId="{C0BD703A-4702-4684-98AF-057C0CBDDD77}" destId="{F9684976-CF73-4E9E-9247-FA82CE972B8E}" srcOrd="0" destOrd="0" presId="urn:microsoft.com/office/officeart/2005/8/layout/vList4"/>
     <dgm:cxn modelId="{AE468605-197C-4618-8F17-6F0BBD40A702}" type="presParOf" srcId="{F9684976-CF73-4E9E-9247-FA82CE972B8E}" destId="{E62985D5-AFEC-409D-95C2-BA990AF077D2}" srcOrd="0" destOrd="0" presId="urn:microsoft.com/office/officeart/2005/8/layout/vList4"/>
     <dgm:cxn modelId="{B9B8E3FC-277C-4F9E-B043-26CFD825D4D0}" type="presParOf" srcId="{F9684976-CF73-4E9E-9247-FA82CE972B8E}" destId="{1DEA0080-505D-4AAF-A284-712ECEF4765E}" srcOrd="1" destOrd="0" presId="urn:microsoft.com/office/officeart/2005/8/layout/vList4"/>
@@ -1431,12 +1438,12 @@
         </a:fontRef>
       </dsp:style>
       <dsp:txBody>
-        <a:bodyPr spcFirstLastPara="0" vert="horz" wrap="square" lIns="140970" tIns="140970" rIns="140970" bIns="140970" numCol="1" spcCol="1270" anchor="ctr" anchorCtr="0">
+        <a:bodyPr spcFirstLastPara="0" vert="horz" wrap="square" lIns="133350" tIns="133350" rIns="133350" bIns="133350" numCol="1" spcCol="1270" anchor="ctr" anchorCtr="0">
           <a:noAutofit/>
         </a:bodyPr>
         <a:lstStyle/>
         <a:p>
-          <a:pPr lvl="0" algn="l" defTabSz="1644650">
+          <a:pPr lvl="0" algn="l" defTabSz="1555750">
             <a:lnSpc>
               <a:spcPct val="90000"/>
             </a:lnSpc>
@@ -1448,12 +1455,19 @@
             </a:spcAft>
           </a:pPr>
           <a:r>
+            <a:rPr lang="ru-RU" sz="3500" kern="1200" dirty="0" smtClean="0"/>
+            <a:t>Макет</a:t>
+          </a:r>
+          <a:r>
             <a:rPr lang="ru-RU" sz="3700" kern="1200" dirty="0" smtClean="0"/>
-            <a:t>Макет </a:t>
+            <a:t> </a:t>
           </a:r>
           <a:r>
             <a:rPr lang="en-US" sz="3700" kern="1200" dirty="0" smtClean="0">
-              <a:hlinkClick xmlns:r="http://schemas.openxmlformats.org/officeDocument/2006/relationships" r:id="rId1"/>
+              <a:solidFill>
+                <a:schemeClr val="bg1"/>
+              </a:solidFill>
+              <a:hlinkClick xmlns:r="http://schemas.openxmlformats.org/officeDocument/2006/relationships" r:id="rId1" action="ppaction://hlinkfile"/>
             </a:rPr>
             <a:t>1.jpg</a:t>
           </a:r>
@@ -1574,12 +1588,12 @@
         </a:fontRef>
       </dsp:style>
       <dsp:txBody>
-        <a:bodyPr spcFirstLastPara="0" vert="horz" wrap="square" lIns="140970" tIns="140970" rIns="140970" bIns="140970" numCol="1" spcCol="1270" anchor="ctr" anchorCtr="0">
+        <a:bodyPr spcFirstLastPara="0" vert="horz" wrap="square" lIns="133350" tIns="133350" rIns="133350" bIns="133350" numCol="1" spcCol="1270" anchor="ctr" anchorCtr="0">
           <a:noAutofit/>
         </a:bodyPr>
         <a:lstStyle/>
         <a:p>
-          <a:pPr lvl="0" algn="l" defTabSz="1644650">
+          <a:pPr lvl="0" algn="l" defTabSz="1555750">
             <a:lnSpc>
               <a:spcPct val="90000"/>
             </a:lnSpc>
@@ -1591,12 +1605,12 @@
             </a:spcAft>
           </a:pPr>
           <a:r>
-            <a:rPr lang="ru-RU" sz="3700" kern="1200" dirty="0" smtClean="0"/>
+            <a:rPr lang="ru-RU" sz="3500" kern="1200" dirty="0" smtClean="0"/>
             <a:t>Первичный прототип </a:t>
           </a:r>
           <a:r>
             <a:rPr lang="en-US" sz="3700" kern="1200" dirty="0" smtClean="0">
-              <a:hlinkClick xmlns:r="http://schemas.openxmlformats.org/officeDocument/2006/relationships" r:id="rId3"/>
+              <a:hlinkClick xmlns:r="http://schemas.openxmlformats.org/officeDocument/2006/relationships" r:id="rId3" action="ppaction://hlinkfile"/>
             </a:rPr>
             <a:t>2.png</a:t>
           </a:r>
@@ -1711,12 +1725,12 @@
         </a:fontRef>
       </dsp:style>
       <dsp:txBody>
-        <a:bodyPr spcFirstLastPara="0" vert="horz" wrap="square" lIns="140970" tIns="140970" rIns="140970" bIns="140970" numCol="1" spcCol="1270" anchor="ctr" anchorCtr="0">
+        <a:bodyPr spcFirstLastPara="0" vert="horz" wrap="square" lIns="133350" tIns="133350" rIns="133350" bIns="133350" numCol="1" spcCol="1270" anchor="ctr" anchorCtr="0">
           <a:noAutofit/>
         </a:bodyPr>
         <a:lstStyle/>
         <a:p>
-          <a:pPr lvl="0" algn="l" defTabSz="1644650">
+          <a:pPr lvl="0" algn="l" defTabSz="1555750">
             <a:lnSpc>
               <a:spcPct val="90000"/>
             </a:lnSpc>
@@ -1728,12 +1742,12 @@
             </a:spcAft>
           </a:pPr>
           <a:r>
-            <a:rPr lang="ru-RU" sz="3700" kern="1200" dirty="0" smtClean="0"/>
+            <a:rPr lang="ru-RU" sz="3500" kern="1200" dirty="0" smtClean="0"/>
             <a:t>Вторичный прототип, принятый в работу </a:t>
           </a:r>
           <a:r>
             <a:rPr lang="en-US" sz="3700" kern="1200" dirty="0" smtClean="0">
-              <a:hlinkClick xmlns:r="http://schemas.openxmlformats.org/officeDocument/2006/relationships" r:id="rId5"/>
+              <a:hlinkClick xmlns:r="http://schemas.openxmlformats.org/officeDocument/2006/relationships" r:id="rId5" action="ppaction://hlinkfile"/>
             </a:rPr>
             <a:t>3.png</a:t>
           </a:r>
@@ -13720,8 +13734,8 @@
         </p:nvSpPr>
         <p:spPr>
           <a:xfrm>
-            <a:off x="136634" y="720000"/>
-            <a:ext cx="4834760" cy="3484138"/>
+            <a:off x="377770" y="1419983"/>
+            <a:ext cx="3740674" cy="2779947"/>
           </a:xfrm>
           <a:prstGeom prst="rect">
             <a:avLst/>
@@ -13740,7 +13754,34 @@
             <a:pPr lvl="0"/>
             <a:r>
               <a:rPr lang="ru-RU" dirty="0"/>
-              <a:t>Разработка приложения для учёта производственных данных</a:t>
+              <a:t>Разработка приложения </a:t>
+            </a:r>
+            <a:r>
+              <a:rPr lang="ru-RU" dirty="0" smtClean="0"/>
+              <a:t/>
+            </a:r>
+            <a:br>
+              <a:rPr lang="ru-RU" dirty="0" smtClean="0"/>
+            </a:br>
+            <a:r>
+              <a:rPr lang="ru-RU" dirty="0" smtClean="0"/>
+              <a:t>для </a:t>
+            </a:r>
+            <a:r>
+              <a:rPr lang="ru-RU" dirty="0"/>
+              <a:t>учёта </a:t>
+            </a:r>
+            <a:r>
+              <a:rPr lang="ru-RU" dirty="0" err="1" smtClean="0"/>
+              <a:t>производст</a:t>
+            </a:r>
+            <a:r>
+              <a:rPr lang="ru-RU" dirty="0" smtClean="0"/>
+              <a:t>-венных </a:t>
+            </a:r>
+            <a:r>
+              <a:rPr lang="ru-RU" dirty="0"/>
+              <a:t>данных</a:t>
             </a:r>
             <a:endParaRPr dirty="0"/>
           </a:p>
@@ -13848,8 +13889,8 @@
         </p:nvSpPr>
         <p:spPr>
           <a:xfrm>
-            <a:off x="540000" y="1295700"/>
-            <a:ext cx="3852000" cy="2552100"/>
+            <a:off x="739695" y="1495396"/>
+            <a:ext cx="7962869" cy="2552100"/>
           </a:xfrm>
           <a:prstGeom prst="rect">
             <a:avLst/>
@@ -13865,7 +13906,7 @@
           </a:bodyPr>
           <a:lstStyle/>
           <a:p>
-            <a:pPr marL="0" lvl="0" indent="0" algn="l" rtl="0">
+            <a:pPr marL="0" lvl="0" indent="0" algn="ctr" rtl="0">
               <a:lnSpc>
                 <a:spcPct val="100000"/>
               </a:lnSpc>
@@ -13880,79 +13921,9 @@
             </a:pPr>
             <a:r>
               <a:rPr lang="ru" dirty="0" smtClean="0"/>
-              <a:t>Спасибо за внимание!</a:t>
+              <a:t>Благодарю за внимание!</a:t>
             </a:r>
             <a:endParaRPr dirty="0"/>
-          </a:p>
-        </p:txBody>
-      </p:sp>
-      <p:sp>
-        <p:nvSpPr>
-          <p:cNvPr id="345" name="Google Shape;345;p23"/>
-          <p:cNvSpPr/>
-          <p:nvPr/>
-        </p:nvSpPr>
-        <p:spPr>
-          <a:xfrm>
-            <a:off x="4452075" y="1148025"/>
-            <a:ext cx="3964500" cy="3177000"/>
-          </a:xfrm>
-          <a:prstGeom prst="roundRect">
-            <a:avLst>
-              <a:gd name="adj" fmla="val 16667"/>
-            </a:avLst>
-          </a:prstGeom>
-          <a:solidFill>
-            <a:schemeClr val="lt2"/>
-          </a:solidFill>
-          <a:ln>
-            <a:noFill/>
-          </a:ln>
-        </p:spPr>
-        <p:txBody>
-          <a:bodyPr spcFirstLastPara="1" wrap="square" lIns="91425" tIns="91425" rIns="91425" bIns="91425" anchor="ctr" anchorCtr="0">
-            <a:noAutofit/>
-          </a:bodyPr>
-          <a:lstStyle/>
-          <a:p>
-            <a:pPr marL="0" marR="0" lvl="0" indent="0" algn="ctr" rtl="0">
-              <a:lnSpc>
-                <a:spcPct val="100000"/>
-              </a:lnSpc>
-              <a:spcBef>
-                <a:spcPts val="0"/>
-              </a:spcBef>
-              <a:spcAft>
-                <a:spcPts val="0"/>
-              </a:spcAft>
-              <a:buClr>
-                <a:srgbClr val="000000"/>
-              </a:buClr>
-              <a:buSzPts val="1400"/>
-              <a:buFont typeface="Arial"/>
-              <a:buNone/>
-            </a:pPr>
-            <a:r>
-              <a:rPr lang="ru" sz="1400" b="0" i="0" u="none" strike="noStrike" cap="none">
-                <a:solidFill>
-                  <a:srgbClr val="000000"/>
-                </a:solidFill>
-                <a:latin typeface="IBM Plex Sans"/>
-                <a:ea typeface="IBM Plex Sans"/>
-                <a:cs typeface="IBM Plex Sans"/>
-                <a:sym typeface="IBM Plex Sans"/>
-              </a:rPr>
-              <a:t>место для иллюстрации</a:t>
-            </a:r>
-            <a:endParaRPr sz="1400" b="0" i="0" u="none" strike="noStrike" cap="none">
-              <a:solidFill>
-                <a:srgbClr val="000000"/>
-              </a:solidFill>
-              <a:latin typeface="IBM Plex Sans"/>
-              <a:ea typeface="IBM Plex Sans"/>
-              <a:cs typeface="IBM Plex Sans"/>
-              <a:sym typeface="IBM Plex Sans"/>
-            </a:endParaRPr>
           </a:p>
         </p:txBody>
       </p:sp>
@@ -14076,7 +14047,7 @@
         </p:nvSpPr>
         <p:spPr>
           <a:xfrm>
-            <a:off x="540000" y="152400"/>
+            <a:off x="452089" y="260758"/>
             <a:ext cx="5958000" cy="360000"/>
           </a:xfrm>
           <a:prstGeom prst="rect">
@@ -14107,10 +14078,10 @@
               <a:buNone/>
             </a:pPr>
             <a:r>
-              <a:rPr lang="ru"/>
+              <a:rPr lang="ru" sz="1200" dirty="0"/>
               <a:t>Давайте знакомиться!</a:t>
             </a:r>
-            <a:endParaRPr/>
+            <a:endParaRPr sz="1200" dirty="0"/>
           </a:p>
         </p:txBody>
       </p:sp>
@@ -14238,8 +14209,8 @@
         </p:nvSpPr>
         <p:spPr>
           <a:xfrm>
-            <a:off x="3805200" y="1440000"/>
-            <a:ext cx="4798800" cy="2636619"/>
+            <a:off x="3805200" y="1534593"/>
+            <a:ext cx="5191655" cy="3331168"/>
           </a:xfrm>
           <a:prstGeom prst="rect">
             <a:avLst/>
@@ -14269,7 +14240,7 @@
               <a:buNone/>
             </a:pPr>
             <a:r>
-              <a:rPr lang="ru" sz="1200" dirty="0">
+              <a:rPr lang="ru" dirty="0">
                 <a:solidFill>
                   <a:schemeClr val="dk1"/>
                 </a:solidFill>
@@ -14277,14 +14248,14 @@
               <a:t>Немного о </a:t>
             </a:r>
             <a:r>
-              <a:rPr lang="ru" sz="1200" dirty="0" smtClean="0">
+              <a:rPr lang="ru" dirty="0" smtClean="0">
                 <a:solidFill>
                   <a:schemeClr val="dk1"/>
                 </a:solidFill>
               </a:rPr>
               <a:t>себе:</a:t>
             </a:r>
-            <a:endParaRPr sz="1200" dirty="0">
+            <a:endParaRPr dirty="0">
               <a:solidFill>
                 <a:schemeClr val="dk1"/>
               </a:solidFill>
@@ -14304,7 +14275,7 @@
               <a:buSzPts val="1400"/>
               <a:buNone/>
             </a:pPr>
-            <a:endParaRPr sz="1200" dirty="0">
+            <a:endParaRPr dirty="0">
               <a:solidFill>
                 <a:schemeClr val="dk1"/>
               </a:solidFill>
@@ -14329,30 +14300,27 @@
               <a:buChar char="💥"/>
             </a:pPr>
             <a:r>
-              <a:rPr lang="ru-RU" sz="1200" dirty="0" smtClean="0">
+              <a:rPr lang="ru-RU" dirty="0" smtClean="0">
                 <a:solidFill>
                   <a:schemeClr val="dk1"/>
                 </a:solidFill>
               </a:rPr>
-              <a:t>Проживаю в городе Вятские Поляны</a:t>
+              <a:t>Проживаю в городе Вятские Поляны.</a:t>
             </a:r>
-            <a:endParaRPr sz="1200" dirty="0">
+            <a:endParaRPr dirty="0">
               <a:solidFill>
                 <a:schemeClr val="dk1"/>
               </a:solidFill>
             </a:endParaRPr>
           </a:p>
           <a:p>
-            <a:pPr marL="374399" lvl="0" indent="-306599" algn="l" rtl="0">
+            <a:pPr marL="374399" indent="-306599">
               <a:lnSpc>
                 <a:spcPct val="115000"/>
               </a:lnSpc>
               <a:spcBef>
                 <a:spcPts val="1000"/>
               </a:spcBef>
-              <a:spcAft>
-                <a:spcPts val="0"/>
-              </a:spcAft>
               <a:buClr>
                 <a:schemeClr val="accent1"/>
               </a:buClr>
@@ -14361,7 +14329,7 @@
               <a:buChar char="💥"/>
             </a:pPr>
             <a:r>
-              <a:rPr lang="ru" sz="1200" dirty="0" smtClean="0">
+              <a:rPr lang="ru" dirty="0" smtClean="0">
                 <a:solidFill>
                   <a:schemeClr val="dk1"/>
                 </a:solidFill>
@@ -14369,7 +14337,7 @@
               <a:t>Увлекаюсь моддингом, пишу плагины для </a:t>
             </a:r>
             <a:r>
-              <a:rPr lang="en-US" sz="1200" dirty="0" err="1" smtClean="0">
+              <a:rPr lang="en-US" dirty="0" err="1" smtClean="0">
                 <a:solidFill>
                   <a:schemeClr val="dk1"/>
                 </a:solidFill>
@@ -14377,18 +14345,53 @@
               <a:t>GoldSource</a:t>
             </a:r>
             <a:r>
-              <a:rPr lang="ru" sz="1200" dirty="0" smtClean="0">
+              <a:rPr lang="ru" dirty="0" smtClean="0">
                 <a:solidFill>
                   <a:schemeClr val="dk1"/>
                 </a:solidFill>
               </a:rPr>
-              <a:t>, люблю пешие прогулки, природу и поездки на полноприводном транспорте в любую погоду.</a:t>
+              <a:t>, люблю пешие прогулки и </a:t>
             </a:r>
-            <a:endParaRPr sz="1200" dirty="0">
-              <a:solidFill>
-                <a:schemeClr val="dk1"/>
-              </a:solidFill>
-            </a:endParaRPr>
+            <a:r>
+              <a:rPr lang="ru-RU" dirty="0">
+                <a:solidFill>
+                  <a:schemeClr val="dk1"/>
+                </a:solidFill>
+              </a:rPr>
+              <a:t>поездки на </a:t>
+            </a:r>
+            <a:r>
+              <a:rPr lang="ru-RU" dirty="0" err="1">
+                <a:solidFill>
+                  <a:schemeClr val="dk1"/>
+                </a:solidFill>
+              </a:rPr>
+              <a:t>полноприводном</a:t>
+            </a:r>
+            <a:r>
+              <a:rPr lang="ru-RU" dirty="0">
+                <a:solidFill>
+                  <a:schemeClr val="dk1"/>
+                </a:solidFill>
+              </a:rPr>
+              <a:t> транспорте в любую </a:t>
+            </a:r>
+            <a:r>
+              <a:rPr lang="ru-RU" dirty="0" smtClean="0">
+                <a:solidFill>
+                  <a:schemeClr val="dk1"/>
+                </a:solidFill>
+              </a:rPr>
+              <a:t>погоду</a:t>
+            </a:r>
+            <a:r>
+              <a:rPr lang="ru" dirty="0" smtClean="0">
+                <a:solidFill>
+                  <a:schemeClr val="dk1"/>
+                </a:solidFill>
+              </a:rPr>
+              <a:t>.</a:t>
+            </a:r>
           </a:p>
           <a:p>
             <a:pPr marL="374399" lvl="0" indent="-306599" algn="l" rtl="0">
@@ -14409,7 +14412,7 @@
               <a:buChar char="💥"/>
             </a:pPr>
             <a:r>
-              <a:rPr lang="en-US" sz="1200" dirty="0" smtClean="0">
+              <a:rPr lang="en-US" dirty="0" smtClean="0">
                 <a:solidFill>
                   <a:schemeClr val="dk1"/>
                 </a:solidFill>
@@ -14417,7 +14420,7 @@
               <a:t>IPS-</a:t>
             </a:r>
             <a:r>
-              <a:rPr lang="ru-RU" sz="1200" dirty="0" smtClean="0">
+              <a:rPr lang="ru-RU" dirty="0" smtClean="0">
                 <a:solidFill>
                   <a:schemeClr val="dk1"/>
                 </a:solidFill>
@@ -14425,14 +14428,14 @@
               <a:t>специалист (бережливое производство)</a:t>
             </a:r>
             <a:r>
-              <a:rPr lang="ru" sz="1200" dirty="0" smtClean="0">
+              <a:rPr lang="ru" dirty="0" smtClean="0">
                 <a:solidFill>
                   <a:schemeClr val="dk1"/>
                 </a:solidFill>
               </a:rPr>
               <a:t>.</a:t>
             </a:r>
-            <a:endParaRPr sz="1200" dirty="0">
+            <a:endParaRPr dirty="0">
               <a:solidFill>
                 <a:schemeClr val="dk1"/>
               </a:solidFill>
@@ -14457,14 +14460,41 @@
               <a:buChar char="💥"/>
             </a:pPr>
             <a:r>
-              <a:rPr lang="ru-RU" sz="1200" dirty="0" smtClean="0">
+              <a:rPr lang="ru-RU" dirty="0" smtClean="0">
                 <a:solidFill>
                   <a:schemeClr val="dk1"/>
                 </a:solidFill>
               </a:rPr>
               <a:t>Работал в команде по модификации игр отечественной игровой индустрии.</a:t>
             </a:r>
-            <a:endParaRPr sz="1200" dirty="0">
+          </a:p>
+          <a:p>
+            <a:pPr marL="374399" marR="241300" lvl="0" indent="-306599" algn="l" rtl="0">
+              <a:lnSpc>
+                <a:spcPct val="115000"/>
+              </a:lnSpc>
+              <a:spcBef>
+                <a:spcPts val="1000"/>
+              </a:spcBef>
+              <a:spcAft>
+                <a:spcPts val="0"/>
+              </a:spcAft>
+              <a:buClr>
+                <a:schemeClr val="accent1"/>
+              </a:buClr>
+              <a:buSzPts val="1200"/>
+              <a:buFont typeface="IBM Plex Sans"/>
+              <a:buChar char="💥"/>
+            </a:pPr>
+            <a:r>
+              <a:rPr lang="ru-RU" dirty="0" smtClean="0">
+                <a:solidFill>
+                  <a:schemeClr val="dk1"/>
+                </a:solidFill>
+              </a:rPr>
+              <a:t>Являюсь донором крови и плазмы крови с 2022 года.</a:t>
+            </a:r>
+            <a:endParaRPr dirty="0">
               <a:solidFill>
                 <a:schemeClr val="dk1"/>
               </a:solidFill>
@@ -14536,8 +14566,8 @@
         </p:nvSpPr>
         <p:spPr>
           <a:xfrm>
-            <a:off x="540000" y="1260000"/>
-            <a:ext cx="8064000" cy="3240000"/>
+            <a:off x="540000" y="1196939"/>
+            <a:ext cx="5577021" cy="3240000"/>
           </a:xfrm>
           <a:prstGeom prst="rect">
             <a:avLst/>
@@ -14567,22 +14597,29 @@
               <a:buNone/>
             </a:pPr>
             <a:r>
-              <a:rPr lang="ru" dirty="0" smtClean="0">
+              <a:rPr lang="ru" sz="1600" dirty="0" smtClean="0">
                 <a:solidFill>
                   <a:schemeClr val="dk1"/>
                 </a:solidFill>
               </a:rPr>
-              <a:t>Разработать приложение, которое упростит работу операторов мебельного производства</a:t>
+              <a:t>Разработать приложение, которое упростит работу операторов мебельного производства.</a:t>
             </a:r>
-            <a:r>
-              <a:rPr lang="ru" dirty="0" smtClean="0">
-                <a:solidFill>
-                  <a:schemeClr val="dk1"/>
-                </a:solidFill>
-              </a:rPr>
-              <a:t>.</a:t>
-            </a:r>
-            <a:endParaRPr dirty="0">
+          </a:p>
+          <a:p>
+            <a:pPr marL="0" lvl="0" indent="0" algn="l" rtl="0">
+              <a:lnSpc>
+                <a:spcPct val="100000"/>
+              </a:lnSpc>
+              <a:spcBef>
+                <a:spcPts val="0"/>
+              </a:spcBef>
+              <a:spcAft>
+                <a:spcPts val="0"/>
+              </a:spcAft>
+              <a:buSzPts val="1200"/>
+              <a:buNone/>
+            </a:pPr>
+            <a:endParaRPr sz="1600" dirty="0">
               <a:solidFill>
                 <a:schemeClr val="dk1"/>
               </a:solidFill>
@@ -14606,8 +14643,35 @@
               <a:buFont typeface="Arial"/>
               <a:buNone/>
             </a:pPr>
+            <a:endParaRPr lang="ru-RU" sz="1600" dirty="0" smtClean="0">
+              <a:solidFill>
+                <a:schemeClr val="dk1"/>
+              </a:solidFill>
+              <a:highlight>
+                <a:schemeClr val="lt1"/>
+              </a:highlight>
+            </a:endParaRPr>
+          </a:p>
+          <a:p>
+            <a:pPr marL="0" lvl="0" indent="0" algn="l" rtl="0">
+              <a:lnSpc>
+                <a:spcPct val="115000"/>
+              </a:lnSpc>
+              <a:spcBef>
+                <a:spcPts val="0"/>
+              </a:spcBef>
+              <a:spcAft>
+                <a:spcPts val="0"/>
+              </a:spcAft>
+              <a:buClr>
+                <a:schemeClr val="dk1"/>
+              </a:buClr>
+              <a:buSzPts val="1100"/>
+              <a:buFont typeface="Arial"/>
+              <a:buNone/>
+            </a:pPr>
             <a:r>
-              <a:rPr lang="ru-RU" dirty="0" smtClean="0">
+              <a:rPr lang="ru-RU" sz="1600" b="1" dirty="0" smtClean="0">
                 <a:solidFill>
                   <a:schemeClr val="dk1"/>
                 </a:solidFill>
@@ -14615,10 +14679,21 @@
                   <a:schemeClr val="lt1"/>
                 </a:highlight>
               </a:rPr>
-              <a:t>Основная проблема: работа неопытных сотрудников с объёмными файлами </a:t>
+              <a:t>Основная проблема</a:t>
             </a:r>
             <a:r>
-              <a:rPr lang="en-US" dirty="0" smtClean="0">
+              <a:rPr lang="ru-RU" sz="1600" dirty="0" smtClean="0">
+                <a:solidFill>
+                  <a:schemeClr val="dk1"/>
+                </a:solidFill>
+                <a:highlight>
+                  <a:schemeClr val="lt1"/>
+                </a:highlight>
+              </a:rPr>
+              <a:t>: работа неопытных сотрудников с объёмными файлами </a:t>
+            </a:r>
+            <a:r>
+              <a:rPr lang="en-US" sz="1600" dirty="0" smtClean="0">
                 <a:solidFill>
                   <a:schemeClr val="dk1"/>
                 </a:solidFill>
@@ -14629,7 +14704,7 @@
               <a:t>excel</a:t>
             </a:r>
             <a:r>
-              <a:rPr lang="ru-RU" dirty="0" smtClean="0">
+              <a:rPr lang="ru-RU" sz="1600" dirty="0" smtClean="0">
                 <a:solidFill>
                   <a:schemeClr val="dk1"/>
                 </a:solidFill>
@@ -14658,8 +14733,35 @@
               <a:buFont typeface="Arial"/>
               <a:buNone/>
             </a:pPr>
+            <a:endParaRPr lang="ru-RU" sz="1600" dirty="0" smtClean="0">
+              <a:solidFill>
+                <a:schemeClr val="dk1"/>
+              </a:solidFill>
+              <a:highlight>
+                <a:schemeClr val="lt1"/>
+              </a:highlight>
+            </a:endParaRPr>
+          </a:p>
+          <a:p>
+            <a:pPr marL="0" lvl="0" indent="0" algn="l" rtl="0">
+              <a:lnSpc>
+                <a:spcPct val="115000"/>
+              </a:lnSpc>
+              <a:spcBef>
+                <a:spcPts val="0"/>
+              </a:spcBef>
+              <a:spcAft>
+                <a:spcPts val="0"/>
+              </a:spcAft>
+              <a:buClr>
+                <a:schemeClr val="dk1"/>
+              </a:buClr>
+              <a:buSzPts val="1100"/>
+              <a:buFont typeface="Arial"/>
+              <a:buNone/>
+            </a:pPr>
             <a:r>
-              <a:rPr lang="ru-RU" dirty="0" smtClean="0">
+              <a:rPr lang="ru-RU" sz="1600" b="1" dirty="0" smtClean="0">
                 <a:solidFill>
                   <a:schemeClr val="dk1"/>
                 </a:solidFill>
@@ -14667,10 +14769,21 @@
                   <a:schemeClr val="lt1"/>
                 </a:highlight>
               </a:rPr>
-              <a:t>Польза проекта: разработанное приложение имеет простой в обращении интерфейс, встроенные формулы подсчёта и функции экспорта данных в формат </a:t>
+              <a:t>Польза проекта: </a:t>
             </a:r>
             <a:r>
-              <a:rPr lang="en-US" dirty="0" smtClean="0">
+              <a:rPr lang="ru-RU" sz="1600" dirty="0" smtClean="0">
+                <a:solidFill>
+                  <a:schemeClr val="dk1"/>
+                </a:solidFill>
+                <a:highlight>
+                  <a:schemeClr val="lt1"/>
+                </a:highlight>
+              </a:rPr>
+              <a:t>разработанное приложение имеет простой в обращении интерфейс, встроенные формулы подсчёта и функции экспорта данных в формат </a:t>
+            </a:r>
+            <a:r>
+              <a:rPr lang="en-US" sz="1600" dirty="0" smtClean="0">
                 <a:solidFill>
                   <a:schemeClr val="dk1"/>
                 </a:solidFill>
@@ -14681,7 +14794,7 @@
               <a:t>*.</a:t>
             </a:r>
             <a:r>
-              <a:rPr lang="en-US" dirty="0" err="1" smtClean="0">
+              <a:rPr lang="en-US" sz="1600" dirty="0" err="1" smtClean="0">
                 <a:solidFill>
                   <a:schemeClr val="dk1"/>
                 </a:solidFill>
@@ -14692,7 +14805,7 @@
               <a:t>xlsx</a:t>
             </a:r>
             <a:r>
-              <a:rPr lang="en-US" dirty="0" smtClean="0">
+              <a:rPr lang="en-US" sz="1600" dirty="0" smtClean="0">
                 <a:solidFill>
                   <a:schemeClr val="dk1"/>
                 </a:solidFill>
@@ -14702,8 +14815,35 @@
               </a:rPr>
               <a:t> </a:t>
             </a:r>
+            <a:endParaRPr lang="ru-RU" sz="1600" dirty="0" smtClean="0">
+              <a:solidFill>
+                <a:schemeClr val="dk1"/>
+              </a:solidFill>
+              <a:highlight>
+                <a:schemeClr val="lt1"/>
+              </a:highlight>
+            </a:endParaRPr>
+          </a:p>
+          <a:p>
+            <a:pPr marL="0" lvl="0" indent="0" algn="l" rtl="0">
+              <a:lnSpc>
+                <a:spcPct val="115000"/>
+              </a:lnSpc>
+              <a:spcBef>
+                <a:spcPts val="0"/>
+              </a:spcBef>
+              <a:spcAft>
+                <a:spcPts val="0"/>
+              </a:spcAft>
+              <a:buClr>
+                <a:schemeClr val="dk1"/>
+              </a:buClr>
+              <a:buSzPts val="1100"/>
+              <a:buFont typeface="Arial"/>
+              <a:buNone/>
+            </a:pPr>
             <a:r>
-              <a:rPr lang="ru-RU" dirty="0" smtClean="0">
+              <a:rPr lang="ru-RU" sz="1600" dirty="0" smtClean="0">
                 <a:solidFill>
                   <a:schemeClr val="dk1"/>
                 </a:solidFill>
@@ -14713,7 +14853,7 @@
               </a:rPr>
               <a:t>для последующей аналитики плановым отделом производства.</a:t>
             </a:r>
-            <a:endParaRPr dirty="0">
+            <a:endParaRPr sz="1600" dirty="0">
               <a:solidFill>
                 <a:schemeClr val="dk1"/>
               </a:solidFill>
@@ -14736,8 +14876,8 @@
         </p:nvSpPr>
         <p:spPr>
           <a:xfrm>
-            <a:off x="540000" y="720000"/>
-            <a:ext cx="8064000" cy="282600"/>
+            <a:off x="540000" y="478262"/>
+            <a:ext cx="8064000" cy="374810"/>
           </a:xfrm>
           <a:prstGeom prst="rect">
             <a:avLst/>
@@ -14767,20 +14907,17 @@
               <a:buNone/>
             </a:pPr>
             <a:r>
-              <a:rPr lang="ru" dirty="0">
+              <a:rPr lang="ru" sz="2400" dirty="0">
                 <a:solidFill>
                   <a:schemeClr val="dk1"/>
                 </a:solidFill>
               </a:rPr>
               <a:t>Поставленная задача</a:t>
             </a:r>
-            <a:endParaRPr dirty="0">
+            <a:endParaRPr sz="2400" dirty="0">
               <a:solidFill>
                 <a:schemeClr val="dk1"/>
               </a:solidFill>
-              <a:latin typeface="IBM Plex Sans SemiBold"/>
-              <a:ea typeface="IBM Plex Sans SemiBold"/>
-              <a:cs typeface="IBM Plex Sans SemiBold"/>
               <a:sym typeface="IBM Plex Sans SemiBold"/>
             </a:endParaRPr>
           </a:p>
@@ -14830,8 +14967,8 @@
         </p:nvSpPr>
         <p:spPr>
           <a:xfrm>
-            <a:off x="540000" y="1260000"/>
-            <a:ext cx="8064000" cy="3240000"/>
+            <a:off x="539999" y="1260000"/>
+            <a:ext cx="4431393" cy="3240000"/>
           </a:xfrm>
           <a:prstGeom prst="rect">
             <a:avLst/>
@@ -14861,7 +14998,7 @@
               <a:buNone/>
             </a:pPr>
             <a:r>
-              <a:rPr lang="ru" dirty="0" smtClean="0">
+              <a:rPr lang="ru" sz="1600" dirty="0" smtClean="0">
                 <a:solidFill>
                   <a:schemeClr val="dk1"/>
                 </a:solidFill>
@@ -14872,7 +15009,7 @@
               <a:t>Изначально было принято решение разработки веб-приложения. Интерфейс </a:t>
             </a:r>
             <a:r>
-              <a:rPr lang="en-US" dirty="0" smtClean="0">
+              <a:rPr lang="en-US" sz="1600" dirty="0" smtClean="0">
                 <a:solidFill>
                   <a:schemeClr val="dk1"/>
                 </a:solidFill>
@@ -14883,7 +15020,7 @@
               <a:t>HTML </a:t>
             </a:r>
             <a:r>
-              <a:rPr lang="ru-RU" dirty="0" smtClean="0">
+              <a:rPr lang="ru-RU" sz="1600" dirty="0" smtClean="0">
                 <a:solidFill>
                   <a:schemeClr val="dk1"/>
                 </a:solidFill>
@@ -14891,10 +15028,10 @@
                   <a:schemeClr val="lt1"/>
                 </a:highlight>
               </a:rPr>
-              <a:t>должно было выполнять функции ввода и вывода данных, но в момент разработки было решено переквалифицировать работу в портативное приложение на языке </a:t>
+              <a:t>должен был выполнять функции ввода и вывода данных, но в процессе работы проект был переквалифицирован в портативное приложение на языке </a:t>
             </a:r>
             <a:r>
-              <a:rPr lang="en-US" dirty="0" smtClean="0">
+              <a:rPr lang="en-US" sz="1600" dirty="0" smtClean="0">
                 <a:solidFill>
                   <a:schemeClr val="dk1"/>
                 </a:solidFill>
@@ -14905,7 +15042,7 @@
               <a:t>python</a:t>
             </a:r>
             <a:r>
-              <a:rPr lang="ru-RU" dirty="0" smtClean="0">
+              <a:rPr lang="ru-RU" sz="1600" dirty="0" smtClean="0">
                 <a:solidFill>
                   <a:schemeClr val="dk1"/>
                 </a:solidFill>
@@ -14916,7 +15053,7 @@
               <a:t> с </a:t>
             </a:r>
             <a:r>
-              <a:rPr lang="en-US" dirty="0" smtClean="0">
+              <a:rPr lang="en-US" sz="1600" dirty="0" smtClean="0">
                 <a:solidFill>
                   <a:schemeClr val="dk1"/>
                 </a:solidFill>
@@ -14927,7 +15064,7 @@
               <a:t>GUI-</a:t>
             </a:r>
             <a:r>
-              <a:rPr lang="ru-RU" dirty="0" smtClean="0">
+              <a:rPr lang="ru-RU" sz="1600" dirty="0" smtClean="0">
                 <a:solidFill>
                   <a:schemeClr val="dk1"/>
                 </a:solidFill>
@@ -14935,10 +15072,59 @@
                   <a:schemeClr val="lt1"/>
                 </a:highlight>
               </a:rPr>
-              <a:t>интерфейсом. Начальный этап проходил с использованием инструмента </a:t>
+              <a:t>интерфейсом. </a:t>
+            </a:r>
+          </a:p>
+          <a:p>
+            <a:pPr marL="0" lvl="0" indent="0" algn="l" rtl="0">
+              <a:lnSpc>
+                <a:spcPct val="100000"/>
+              </a:lnSpc>
+              <a:spcBef>
+                <a:spcPts val="0"/>
+              </a:spcBef>
+              <a:spcAft>
+                <a:spcPts val="0"/>
+              </a:spcAft>
+              <a:buSzPts val="1200"/>
+              <a:buNone/>
+            </a:pPr>
+            <a:endParaRPr lang="ru-RU" sz="1600" dirty="0">
+              <a:solidFill>
+                <a:schemeClr val="dk1"/>
+              </a:solidFill>
+              <a:highlight>
+                <a:schemeClr val="lt1"/>
+              </a:highlight>
+            </a:endParaRPr>
+          </a:p>
+          <a:p>
+            <a:pPr marL="0" lvl="0" indent="0" algn="l" rtl="0">
+              <a:lnSpc>
+                <a:spcPct val="100000"/>
+              </a:lnSpc>
+              <a:spcBef>
+                <a:spcPts val="0"/>
+              </a:spcBef>
+              <a:spcAft>
+                <a:spcPts val="0"/>
+              </a:spcAft>
+              <a:buSzPts val="1200"/>
+              <a:buNone/>
+            </a:pPr>
+            <a:r>
+              <a:rPr lang="ru-RU" sz="1600" dirty="0" smtClean="0">
+                <a:solidFill>
+                  <a:schemeClr val="dk1"/>
+                </a:solidFill>
+                <a:highlight>
+                  <a:schemeClr val="lt1"/>
+                </a:highlight>
+              </a:rPr>
+              <a:t>На начальном этапе для создания приложения использовался инструмент </a:t>
             </a:r>
             <a:r>
-              <a:rPr lang="en-US" dirty="0" err="1" smtClean="0">
+              <a:rPr lang="en-US" sz="1600" dirty="0" err="1" smtClean="0">
                 <a:solidFill>
                   <a:schemeClr val="dk1"/>
                 </a:solidFill>
@@ -14949,7 +15135,7 @@
               <a:t>PyQt</a:t>
             </a:r>
             <a:r>
-              <a:rPr lang="ru-RU" dirty="0" smtClean="0">
+              <a:rPr lang="ru-RU" sz="1600" dirty="0" smtClean="0">
                 <a:solidFill>
                   <a:schemeClr val="dk1"/>
                 </a:solidFill>
@@ -14957,10 +15143,10 @@
                   <a:schemeClr val="lt1"/>
                 </a:highlight>
               </a:rPr>
-              <a:t>, после чего инструмент был заменён на </a:t>
+              <a:t>, после чего он был заменён на </a:t>
             </a:r>
             <a:r>
-              <a:rPr lang="en-US" dirty="0" err="1" smtClean="0">
+              <a:rPr lang="en-US" sz="1600" dirty="0" err="1" smtClean="0">
                 <a:solidFill>
                   <a:schemeClr val="dk1"/>
                 </a:solidFill>
@@ -14971,7 +15157,7 @@
               <a:t>tkinter</a:t>
             </a:r>
             <a:r>
-              <a:rPr lang="en-US" dirty="0" smtClean="0">
+              <a:rPr lang="en-US" sz="1600" dirty="0" smtClean="0">
                 <a:solidFill>
                   <a:schemeClr val="dk1"/>
                 </a:solidFill>
@@ -14979,10 +15165,56 @@
                   <a:schemeClr val="lt1"/>
                 </a:highlight>
               </a:rPr>
-              <a:t>. </a:t>
+              <a:t>.</a:t>
             </a:r>
+            <a:endParaRPr lang="ru-RU" sz="1600" dirty="0" smtClean="0">
+              <a:solidFill>
+                <a:schemeClr val="dk1"/>
+              </a:solidFill>
+              <a:highlight>
+                <a:schemeClr val="lt1"/>
+              </a:highlight>
+            </a:endParaRPr>
+          </a:p>
+          <a:p>
+            <a:pPr marL="0" lvl="0" indent="0" algn="l" rtl="0">
+              <a:lnSpc>
+                <a:spcPct val="100000"/>
+              </a:lnSpc>
+              <a:spcBef>
+                <a:spcPts val="0"/>
+              </a:spcBef>
+              <a:spcAft>
+                <a:spcPts val="0"/>
+              </a:spcAft>
+              <a:buSzPts val="1200"/>
+              <a:buNone/>
+            </a:pPr>
+            <a:endParaRPr lang="ru-RU" sz="1600" dirty="0" smtClean="0">
+              <a:solidFill>
+                <a:schemeClr val="dk1"/>
+              </a:solidFill>
+              <a:highlight>
+                <a:schemeClr val="lt1"/>
+              </a:highlight>
+            </a:endParaRPr>
+          </a:p>
+          <a:p>
+            <a:pPr marL="0" lvl="0" indent="0" algn="l" rtl="0">
+              <a:lnSpc>
+                <a:spcPct val="100000"/>
+              </a:lnSpc>
+              <a:spcBef>
+                <a:spcPts val="0"/>
+              </a:spcBef>
+              <a:spcAft>
+                <a:spcPts val="0"/>
+              </a:spcAft>
+              <a:buSzPts val="1200"/>
+              <a:buNone/>
+            </a:pPr>
             <a:r>
-              <a:rPr lang="ru-RU" dirty="0" smtClean="0">
+              <a:rPr lang="ru-RU" sz="1600" dirty="0" smtClean="0">
                 <a:solidFill>
                   <a:schemeClr val="dk1"/>
                 </a:solidFill>
@@ -14993,7 +15225,7 @@
               <a:t>Конечный итог – исполняемое приложение </a:t>
             </a:r>
             <a:r>
-              <a:rPr lang="en-US" dirty="0" err="1" smtClean="0">
+              <a:rPr lang="en-US" sz="1600" dirty="0" err="1" smtClean="0">
                 <a:solidFill>
                   <a:schemeClr val="dk1"/>
                 </a:solidFill>
@@ -15004,7 +15236,7 @@
               <a:t>VirtualOperator</a:t>
             </a:r>
             <a:r>
-              <a:rPr lang="ru-RU" dirty="0" smtClean="0">
+              <a:rPr lang="ru-RU" sz="1600" dirty="0" smtClean="0">
                 <a:solidFill>
                   <a:schemeClr val="dk1"/>
                 </a:solidFill>
@@ -15015,7 +15247,7 @@
               <a:t>.</a:t>
             </a:r>
             <a:r>
-              <a:rPr lang="en-US" dirty="0" smtClean="0">
+              <a:rPr lang="en-US" sz="1600" dirty="0" smtClean="0">
                 <a:solidFill>
                   <a:schemeClr val="dk1"/>
                 </a:solidFill>
@@ -15025,7 +15257,7 @@
               </a:rPr>
               <a:t>exe.</a:t>
             </a:r>
-            <a:endParaRPr dirty="0">
+            <a:endParaRPr sz="1600" dirty="0">
               <a:solidFill>
                 <a:schemeClr val="dk1"/>
               </a:solidFill>
@@ -15048,8 +15280,8 @@
         </p:nvSpPr>
         <p:spPr>
           <a:xfrm>
-            <a:off x="540000" y="720000"/>
-            <a:ext cx="8064000" cy="282600"/>
+            <a:off x="539999" y="614897"/>
+            <a:ext cx="8064000" cy="374810"/>
           </a:xfrm>
           <a:prstGeom prst="rect">
             <a:avLst/>
@@ -15079,28 +15311,33 @@
               <a:buNone/>
             </a:pPr>
             <a:r>
-              <a:rPr lang="ru" dirty="0">
+              <a:rPr lang="ru" sz="2400" dirty="0">
                 <a:solidFill>
                   <a:schemeClr val="dk1"/>
                 </a:solidFill>
               </a:rPr>
-              <a:t>Решение </a:t>
+              <a:t>Решение</a:t>
             </a:r>
             <a:r>
-              <a:rPr lang="ru" dirty="0" smtClean="0">
+              <a:rPr lang="ru" dirty="0">
+                <a:solidFill>
+                  <a:schemeClr val="dk1"/>
+                </a:solidFill>
+              </a:rPr>
+              <a:t> </a:t>
+            </a:r>
+            <a:r>
+              <a:rPr lang="ru" sz="2400" dirty="0" smtClean="0">
                 <a:solidFill>
                   <a:schemeClr val="dk1"/>
                 </a:solidFill>
               </a:rPr>
               <a:t>задачи</a:t>
             </a:r>
-            <a:endParaRPr dirty="0">
+            <a:endParaRPr sz="2400" dirty="0">
               <a:solidFill>
                 <a:schemeClr val="dk1"/>
               </a:solidFill>
-              <a:latin typeface="IBM Plex Sans SemiBold"/>
-              <a:ea typeface="IBM Plex Sans SemiBold"/>
-              <a:cs typeface="IBM Plex Sans SemiBold"/>
               <a:sym typeface="IBM Plex Sans SemiBold"/>
             </a:endParaRPr>
           </a:p>
@@ -15200,8 +15437,8 @@
         </p:nvSpPr>
         <p:spPr>
           <a:xfrm>
-            <a:off x="540000" y="688470"/>
-            <a:ext cx="8064000" cy="282600"/>
+            <a:off x="466427" y="332330"/>
+            <a:ext cx="8064000" cy="374810"/>
           </a:xfrm>
           <a:prstGeom prst="rect">
             <a:avLst/>
@@ -15231,20 +15468,17 @@
               <a:buNone/>
             </a:pPr>
             <a:r>
-              <a:rPr lang="ru" dirty="0">
+              <a:rPr lang="ru" sz="2400" dirty="0">
                 <a:solidFill>
                   <a:schemeClr val="dk1"/>
                 </a:solidFill>
               </a:rPr>
               <a:t>Визуальный ряд с комментариями</a:t>
             </a:r>
-            <a:endParaRPr dirty="0">
+            <a:endParaRPr sz="2400" dirty="0">
               <a:solidFill>
                 <a:schemeClr val="dk1"/>
               </a:solidFill>
-              <a:latin typeface="IBM Plex Sans SemiBold"/>
-              <a:ea typeface="IBM Plex Sans SemiBold"/>
-              <a:cs typeface="IBM Plex Sans SemiBold"/>
               <a:sym typeface="IBM Plex Sans SemiBold"/>
             </a:endParaRPr>
           </a:p>
@@ -15257,7 +15491,7 @@
           <p:nvPr>
             <p:extLst>
               <p:ext uri="{D42A27DB-BD31-4B8C-83A1-F6EECF244321}">
-                <p14:modId xmlns:p14="http://schemas.microsoft.com/office/powerpoint/2010/main" val="3946959576"/>
+                <p14:modId xmlns:p14="http://schemas.microsoft.com/office/powerpoint/2010/main" val="725136971"/>
               </p:ext>
             </p:extLst>
           </p:nvPr>
@@ -15292,6 +15526,129 @@
   <p:cSld>
     <p:spTree>
       <p:nvGrpSpPr>
+        <p:cNvPr id="1" name=""/>
+        <p:cNvGrpSpPr/>
+        <p:nvPr/>
+      </p:nvGrpSpPr>
+      <p:grpSpPr>
+        <a:xfrm>
+          <a:off x="0" y="0"/>
+          <a:ext cx="0" cy="0"/>
+          <a:chOff x="0" y="0"/>
+          <a:chExt cx="0" cy="0"/>
+        </a:xfrm>
+      </p:grpSpPr>
+      <p:sp>
+        <p:nvSpPr>
+          <p:cNvPr id="2" name="Заголовок 1"/>
+          <p:cNvSpPr>
+            <a:spLocks noGrp="1"/>
+          </p:cNvSpPr>
+          <p:nvPr>
+            <p:ph type="title"/>
+          </p:nvPr>
+        </p:nvSpPr>
+        <p:spPr/>
+        <p:txBody>
+          <a:bodyPr/>
+          <a:lstStyle/>
+          <a:p>
+            <a:endParaRPr lang="ru-RU"/>
+          </a:p>
+        </p:txBody>
+      </p:sp>
+      <p:sp>
+        <p:nvSpPr>
+          <p:cNvPr id="3" name="Подзаголовок 2"/>
+          <p:cNvSpPr>
+            <a:spLocks noGrp="1"/>
+          </p:cNvSpPr>
+          <p:nvPr>
+            <p:ph type="subTitle" idx="1"/>
+          </p:nvPr>
+        </p:nvSpPr>
+        <p:spPr/>
+        <p:txBody>
+          <a:bodyPr/>
+          <a:lstStyle/>
+          <a:p>
+            <a:endParaRPr lang="ru-RU"/>
+          </a:p>
+        </p:txBody>
+      </p:sp>
+      <p:sp>
+        <p:nvSpPr>
+          <p:cNvPr id="4" name="Подзаголовок 3"/>
+          <p:cNvSpPr>
+            <a:spLocks noGrp="1"/>
+          </p:cNvSpPr>
+          <p:nvPr>
+            <p:ph type="subTitle" idx="2"/>
+          </p:nvPr>
+        </p:nvSpPr>
+        <p:spPr/>
+        <p:txBody>
+          <a:bodyPr/>
+          <a:lstStyle/>
+          <a:p>
+            <a:r>
+              <a:rPr lang="ru-RU" sz="2400" b="1" dirty="0" smtClean="0">
+                <a:solidFill>
+                  <a:schemeClr val="tx1"/>
+                </a:solidFill>
+              </a:rPr>
+              <a:t>Вид работающего прототипа</a:t>
+            </a:r>
+            <a:endParaRPr lang="ru-RU" sz="2400" b="1" dirty="0">
+              <a:solidFill>
+                <a:schemeClr val="tx1"/>
+              </a:solidFill>
+            </a:endParaRPr>
+          </a:p>
+        </p:txBody>
+      </p:sp>
+      <p:pic>
+        <p:nvPicPr>
+          <p:cNvPr id="5" name="Рисунок 4"/>
+          <p:cNvPicPr>
+            <a:picLocks noChangeAspect="1"/>
+          </p:cNvPicPr>
+          <p:nvPr/>
+        </p:nvPicPr>
+        <p:blipFill>
+          <a:blip r:embed="rId2"/>
+          <a:stretch>
+            <a:fillRect/>
+          </a:stretch>
+        </p:blipFill>
+        <p:spPr>
+          <a:xfrm>
+            <a:off x="160264" y="512400"/>
+            <a:ext cx="8657915" cy="4614174"/>
+          </a:xfrm>
+          <a:prstGeom prst="rect">
+            <a:avLst/>
+          </a:prstGeom>
+        </p:spPr>
+      </p:pic>
+    </p:spTree>
+    <p:extLst>
+      <p:ext uri="{BB962C8B-B14F-4D97-AF65-F5344CB8AC3E}">
+        <p14:creationId xmlns:p14="http://schemas.microsoft.com/office/powerpoint/2010/main" val="3690538293"/>
+      </p:ext>
+    </p:extLst>
+  </p:cSld>
+  <p:clrMapOvr>
+    <a:masterClrMapping/>
+  </p:clrMapOvr>
+</p:sld>
+</file>
+
+<file path=ppt/slides/slide7.xml><?xml version="1.0" encoding="utf-8"?>
+<p:sld xmlns:a="http://schemas.openxmlformats.org/drawingml/2006/main" xmlns:r="http://schemas.openxmlformats.org/officeDocument/2006/relationships" xmlns:p="http://schemas.openxmlformats.org/presentationml/2006/main">
+  <p:cSld>
+    <p:spTree>
+      <p:nvGrpSpPr>
         <p:cNvPr id="1" name="Shape 186"/>
         <p:cNvGrpSpPr/>
         <p:nvPr/>
@@ -15316,8 +15673,8 @@
         </p:nvSpPr>
         <p:spPr>
           <a:xfrm>
-            <a:off x="540000" y="1260000"/>
-            <a:ext cx="8064000" cy="3240000"/>
+            <a:off x="540000" y="1291531"/>
+            <a:ext cx="6470400" cy="3240000"/>
           </a:xfrm>
           <a:prstGeom prst="rect">
             <a:avLst/>
@@ -15347,7 +15704,7 @@
               <a:buNone/>
             </a:pPr>
             <a:r>
-              <a:rPr lang="ru-RU" dirty="0" smtClean="0">
+              <a:rPr lang="ru-RU" sz="1600" dirty="0" smtClean="0">
                 <a:solidFill>
                   <a:schemeClr val="dk1"/>
                 </a:solidFill>
@@ -15355,7 +15712,7 @@
               <a:t>Из-за недостаточного опыта работы с </a:t>
             </a:r>
             <a:r>
-              <a:rPr lang="en-US" dirty="0" smtClean="0">
+              <a:rPr lang="en-US" sz="1600" dirty="0" smtClean="0">
                 <a:solidFill>
                   <a:schemeClr val="dk1"/>
                 </a:solidFill>
@@ -15363,7 +15720,7 @@
               <a:t>HTML </a:t>
             </a:r>
             <a:r>
-              <a:rPr lang="ru-RU" dirty="0" smtClean="0">
+              <a:rPr lang="ru-RU" sz="1600" dirty="0" smtClean="0">
                 <a:solidFill>
                   <a:schemeClr val="dk1"/>
                 </a:solidFill>
@@ -15371,7 +15728,7 @@
               <a:t>было принято решение писать программу с </a:t>
             </a:r>
             <a:r>
-              <a:rPr lang="en-US" dirty="0" smtClean="0">
+              <a:rPr lang="en-US" sz="1600" dirty="0" smtClean="0">
                 <a:solidFill>
                   <a:schemeClr val="dk1"/>
                 </a:solidFill>
@@ -15379,7 +15736,7 @@
               <a:t>GUI-</a:t>
             </a:r>
             <a:r>
-              <a:rPr lang="ru-RU" dirty="0" smtClean="0">
+              <a:rPr lang="ru-RU" sz="1600" dirty="0" smtClean="0">
                 <a:solidFill>
                   <a:schemeClr val="dk1"/>
                 </a:solidFill>
@@ -15387,7 +15744,7 @@
               <a:t>интерфейсом на языке </a:t>
             </a:r>
             <a:r>
-              <a:rPr lang="en-US" dirty="0" smtClean="0">
+              <a:rPr lang="en-US" sz="1600" dirty="0" smtClean="0">
                 <a:solidFill>
                   <a:schemeClr val="dk1"/>
                 </a:solidFill>
@@ -15395,14 +15752,14 @@
               <a:t>Python</a:t>
             </a:r>
             <a:r>
-              <a:rPr lang="ru-RU" dirty="0" smtClean="0">
+              <a:rPr lang="ru-RU" sz="1600" dirty="0" smtClean="0">
                 <a:solidFill>
                   <a:schemeClr val="dk1"/>
                 </a:solidFill>
               </a:rPr>
               <a:t>.</a:t>
             </a:r>
-            <a:endParaRPr dirty="0">
+            <a:endParaRPr sz="1600" dirty="0">
               <a:solidFill>
                 <a:schemeClr val="dk1"/>
               </a:solidFill>
@@ -15427,7 +15784,7 @@
               <a:buNone/>
             </a:pPr>
             <a:r>
-              <a:rPr lang="ru-RU" dirty="0" smtClean="0">
+              <a:rPr lang="ru-RU" sz="1600" dirty="0" smtClean="0">
                 <a:solidFill>
                   <a:schemeClr val="dk1"/>
                 </a:solidFill>
@@ -15438,7 +15795,7 @@
               <a:t>Был выбран </a:t>
             </a:r>
             <a:r>
-              <a:rPr lang="en-US" dirty="0" err="1" smtClean="0">
+              <a:rPr lang="en-US" sz="1600" dirty="0" err="1" smtClean="0">
                 <a:solidFill>
                   <a:schemeClr val="dk1"/>
                 </a:solidFill>
@@ -15449,7 +15806,7 @@
               <a:t>PyQT</a:t>
             </a:r>
             <a:r>
-              <a:rPr lang="en-US" dirty="0" smtClean="0">
+              <a:rPr lang="en-US" sz="1600" dirty="0" smtClean="0">
                 <a:solidFill>
                   <a:schemeClr val="dk1"/>
                 </a:solidFill>
@@ -15460,7 +15817,7 @@
               <a:t>-</a:t>
             </a:r>
             <a:r>
-              <a:rPr lang="ru-RU" dirty="0" smtClean="0">
+              <a:rPr lang="ru-RU" sz="1600" dirty="0" smtClean="0">
                 <a:solidFill>
                   <a:schemeClr val="dk1"/>
                 </a:solidFill>
@@ -15468,29 +15825,10 @@
                   <a:schemeClr val="lt1"/>
                 </a:highlight>
               </a:rPr>
-              <a:t>инструмент, но из-за сложного взаимодействия с ним получилось разработать только прототип интерфейса без работающего функционала.</a:t>
+              <a:t>инструмент, однако в рамках данного проекта он оказался не эффективным.</a:t>
             </a:r>
-          </a:p>
-          <a:p>
-            <a:pPr marL="0" lvl="0" indent="0" algn="l" rtl="0">
-              <a:lnSpc>
-                <a:spcPct val="115000"/>
-              </a:lnSpc>
-              <a:spcBef>
-                <a:spcPts val="0"/>
-              </a:spcBef>
-              <a:spcAft>
-                <a:spcPts val="0"/>
-              </a:spcAft>
-              <a:buClr>
-                <a:schemeClr val="dk1"/>
-              </a:buClr>
-              <a:buSzPts val="1100"/>
-              <a:buFont typeface="Arial"/>
-              <a:buNone/>
-            </a:pPr>
             <a:r>
-              <a:rPr lang="ru-RU" dirty="0" smtClean="0">
+              <a:rPr lang="ru-RU" sz="1600" dirty="0">
                 <a:solidFill>
                   <a:schemeClr val="dk1"/>
                 </a:solidFill>
@@ -15498,10 +15836,21 @@
                   <a:schemeClr val="lt1"/>
                 </a:highlight>
               </a:rPr>
-              <a:t>После поисков и изучения темы был выбран инструмент </a:t>
+              <a:t> </a:t>
             </a:r>
             <a:r>
-              <a:rPr lang="en-US" dirty="0" err="1" smtClean="0">
+              <a:rPr lang="ru-RU" sz="1600" dirty="0" smtClean="0">
+                <a:solidFill>
+                  <a:schemeClr val="dk1"/>
+                </a:solidFill>
+                <a:highlight>
+                  <a:schemeClr val="lt1"/>
+                </a:highlight>
+              </a:rPr>
+              <a:t>После детального изучения темы выбор пал на инструмент </a:t>
+            </a:r>
+            <a:r>
+              <a:rPr lang="en-US" sz="1600" dirty="0" err="1" smtClean="0">
                 <a:solidFill>
                   <a:schemeClr val="dk1"/>
                 </a:solidFill>
@@ -15512,7 +15861,7 @@
               <a:t>tkinter</a:t>
             </a:r>
             <a:r>
-              <a:rPr lang="en-US" dirty="0" smtClean="0">
+              <a:rPr lang="en-US" sz="1600" dirty="0" smtClean="0">
                 <a:solidFill>
                   <a:schemeClr val="dk1"/>
                 </a:solidFill>
@@ -15522,29 +15871,7 @@
               </a:rPr>
               <a:t>.</a:t>
             </a:r>
-            <a:r>
-              <a:rPr lang="ru-RU" dirty="0" smtClean="0">
-                <a:solidFill>
-                  <a:schemeClr val="dk1"/>
-                </a:solidFill>
-                <a:highlight>
-                  <a:schemeClr val="lt1"/>
-                </a:highlight>
-              </a:rPr>
-              <a:t> Разработан полностью рабочий прототип, который принимает данные, обрабатывает их и отправляет(экспортирует) для дальнейшей работы в </a:t>
-            </a:r>
-            <a:r>
-              <a:rPr lang="en-US" dirty="0" smtClean="0">
-                <a:solidFill>
-                  <a:schemeClr val="dk1"/>
-                </a:solidFill>
-                <a:highlight>
-                  <a:schemeClr val="lt1"/>
-                </a:highlight>
-              </a:rPr>
-              <a:t>MS Excel. </a:t>
-            </a:r>
-            <a:endParaRPr lang="ru-RU" dirty="0">
+            <a:endParaRPr lang="ru-RU" sz="1600" dirty="0" smtClean="0">
               <a:solidFill>
                 <a:schemeClr val="dk1"/>
               </a:solidFill>
@@ -15572,7 +15899,7 @@
               <a:buNone/>
             </a:pPr>
             <a:r>
-              <a:rPr lang="ru-RU" dirty="0" smtClean="0">
+              <a:rPr lang="ru-RU" sz="1600" dirty="0" smtClean="0">
                 <a:solidFill>
                   <a:schemeClr val="dk1"/>
                 </a:solidFill>
@@ -15580,9 +15907,167 @@
                   <a:schemeClr val="lt1"/>
                 </a:highlight>
               </a:rPr>
-              <a:t>Следующей целью будет полное тестирование в производстве с интеграцией приложения в производственную практику.</a:t>
+              <a:t> </a:t>
             </a:r>
-            <a:endParaRPr dirty="0">
+          </a:p>
+          <a:p>
+            <a:pPr marL="0" lvl="0" indent="0" algn="l" rtl="0">
+              <a:lnSpc>
+                <a:spcPct val="115000"/>
+              </a:lnSpc>
+              <a:spcBef>
+                <a:spcPts val="0"/>
+              </a:spcBef>
+              <a:spcAft>
+                <a:spcPts val="0"/>
+              </a:spcAft>
+              <a:buClr>
+                <a:schemeClr val="dk1"/>
+              </a:buClr>
+              <a:buSzPts val="1100"/>
+              <a:buFont typeface="Arial"/>
+              <a:buNone/>
+            </a:pPr>
+            <a:r>
+              <a:rPr lang="ru-RU" sz="1600" dirty="0" smtClean="0">
+                <a:solidFill>
+                  <a:schemeClr val="dk1"/>
+                </a:solidFill>
+                <a:highlight>
+                  <a:schemeClr val="lt1"/>
+                </a:highlight>
+              </a:rPr>
+              <a:t>С его помощью был разработан и протестирован рабочий прототип приложения, который принимает данные, обрабатывает их и отправляет (экспортирует) для дальнейшей работы в </a:t>
+            </a:r>
+            <a:r>
+              <a:rPr lang="en-US" sz="1600" dirty="0" smtClean="0">
+                <a:solidFill>
+                  <a:schemeClr val="dk1"/>
+                </a:solidFill>
+                <a:highlight>
+                  <a:schemeClr val="lt1"/>
+                </a:highlight>
+              </a:rPr>
+              <a:t>MS Excel. </a:t>
+            </a:r>
+            <a:endParaRPr lang="ru-RU" sz="1600" dirty="0">
+              <a:solidFill>
+                <a:schemeClr val="dk1"/>
+              </a:solidFill>
+              <a:highlight>
+                <a:schemeClr val="lt1"/>
+              </a:highlight>
+            </a:endParaRPr>
+          </a:p>
+          <a:p>
+            <a:pPr marL="0" lvl="0" indent="0" algn="l" rtl="0">
+              <a:lnSpc>
+                <a:spcPct val="115000"/>
+              </a:lnSpc>
+              <a:spcBef>
+                <a:spcPts val="0"/>
+              </a:spcBef>
+              <a:spcAft>
+                <a:spcPts val="0"/>
+              </a:spcAft>
+              <a:buClr>
+                <a:schemeClr val="dk1"/>
+              </a:buClr>
+              <a:buSzPts val="1100"/>
+              <a:buFont typeface="Arial"/>
+              <a:buNone/>
+            </a:pPr>
+            <a:endParaRPr lang="ru-RU" sz="1600" dirty="0" smtClean="0">
+              <a:solidFill>
+                <a:schemeClr val="dk1"/>
+              </a:solidFill>
+              <a:highlight>
+                <a:schemeClr val="lt1"/>
+              </a:highlight>
+            </a:endParaRPr>
+          </a:p>
+          <a:p>
+            <a:pPr marL="0" lvl="0" indent="0" algn="l" rtl="0">
+              <a:lnSpc>
+                <a:spcPct val="115000"/>
+              </a:lnSpc>
+              <a:spcBef>
+                <a:spcPts val="0"/>
+              </a:spcBef>
+              <a:spcAft>
+                <a:spcPts val="0"/>
+              </a:spcAft>
+              <a:buClr>
+                <a:schemeClr val="dk1"/>
+              </a:buClr>
+              <a:buSzPts val="1100"/>
+              <a:buFont typeface="Arial"/>
+              <a:buNone/>
+            </a:pPr>
+            <a:r>
+              <a:rPr lang="ru-RU" sz="1600" dirty="0" smtClean="0">
+                <a:solidFill>
+                  <a:schemeClr val="dk1"/>
+                </a:solidFill>
+                <a:highlight>
+                  <a:schemeClr val="lt1"/>
+                </a:highlight>
+              </a:rPr>
+              <a:t>В перспективе проекта данное приложение будет интегрировано </a:t>
+            </a:r>
+          </a:p>
+          <a:p>
+            <a:pPr marL="0" lvl="0" indent="0" algn="l" rtl="0">
+              <a:lnSpc>
+                <a:spcPct val="115000"/>
+              </a:lnSpc>
+              <a:spcBef>
+                <a:spcPts val="0"/>
+              </a:spcBef>
+              <a:spcAft>
+                <a:spcPts val="0"/>
+              </a:spcAft>
+              <a:buClr>
+                <a:schemeClr val="dk1"/>
+              </a:buClr>
+              <a:buSzPts val="1100"/>
+              <a:buFont typeface="Arial"/>
+              <a:buNone/>
+            </a:pPr>
+            <a:r>
+              <a:rPr lang="ru-RU" sz="1600" dirty="0" smtClean="0">
+                <a:solidFill>
+                  <a:schemeClr val="dk1"/>
+                </a:solidFill>
+                <a:highlight>
+                  <a:schemeClr val="lt1"/>
+                </a:highlight>
+              </a:rPr>
+              <a:t>в производственную практику ООО «</a:t>
+            </a:r>
+            <a:r>
+              <a:rPr lang="ru-RU" sz="1600" dirty="0" err="1" smtClean="0">
+                <a:solidFill>
+                  <a:schemeClr val="dk1"/>
+                </a:solidFill>
+                <a:highlight>
+                  <a:schemeClr val="lt1"/>
+                </a:highlight>
+              </a:rPr>
+              <a:t>ЛузаЛес</a:t>
+            </a:r>
+            <a:r>
+              <a:rPr lang="ru-RU" sz="1600" dirty="0" smtClean="0">
+                <a:solidFill>
+                  <a:schemeClr val="dk1"/>
+                </a:solidFill>
+                <a:highlight>
+                  <a:schemeClr val="lt1"/>
+                </a:highlight>
+              </a:rPr>
+              <a:t>».</a:t>
+            </a:r>
+            <a:endParaRPr sz="1600" dirty="0">
               <a:solidFill>
                 <a:schemeClr val="dk1"/>
               </a:solidFill>
@@ -15605,8 +16090,8 @@
         </p:nvSpPr>
         <p:spPr>
           <a:xfrm>
-            <a:off x="540000" y="720000"/>
-            <a:ext cx="8064000" cy="282600"/>
+            <a:off x="540000" y="572856"/>
+            <a:ext cx="8064000" cy="374810"/>
           </a:xfrm>
           <a:prstGeom prst="rect">
             <a:avLst/>
@@ -15636,20 +16121,25 @@
               <a:buNone/>
             </a:pPr>
             <a:r>
-              <a:rPr lang="ru" dirty="0">
+              <a:rPr lang="ru" sz="2400" dirty="0">
                 <a:solidFill>
                   <a:schemeClr val="dk1"/>
                 </a:solidFill>
               </a:rPr>
-              <a:t>Достигнутые цели / Итоги в формате ДТП</a:t>
+              <a:t>Достигнутые </a:t>
             </a:r>
-            <a:endParaRPr dirty="0">
+            <a:r>
+              <a:rPr lang="ru" sz="2400" dirty="0" smtClean="0">
+                <a:solidFill>
+                  <a:schemeClr val="dk1"/>
+                </a:solidFill>
+              </a:rPr>
+              <a:t>цели</a:t>
+            </a:r>
+            <a:endParaRPr sz="2400" dirty="0">
               <a:solidFill>
                 <a:schemeClr val="dk1"/>
               </a:solidFill>
-              <a:latin typeface="IBM Plex Sans SemiBold"/>
-              <a:ea typeface="IBM Plex Sans SemiBold"/>
-              <a:cs typeface="IBM Plex Sans SemiBold"/>
               <a:sym typeface="IBM Plex Sans SemiBold"/>
             </a:endParaRPr>
           </a:p>
@@ -15670,7 +16160,7 @@
 </p:sld>
 </file>
 
-<file path=ppt/slides/slide7.xml><?xml version="1.0" encoding="utf-8"?>
+<file path=ppt/slides/slide8.xml><?xml version="1.0" encoding="utf-8"?>
 <p:sld xmlns:a="http://schemas.openxmlformats.org/drawingml/2006/main" xmlns:r="http://schemas.openxmlformats.org/officeDocument/2006/relationships" xmlns:p="http://schemas.openxmlformats.org/presentationml/2006/main">
   <p:cSld>
     <p:spTree>
@@ -16656,14 +17146,14 @@
             <a:r>
               <a:rPr lang="ru-RU" dirty="0" smtClean="0">
                 <a:solidFill>
-                  <a:schemeClr val="lt2"/>
+                  <a:schemeClr val="tx1"/>
                 </a:solidFill>
               </a:rPr>
               <a:t>Написание логики и функций</a:t>
             </a:r>
             <a:endParaRPr dirty="0">
               <a:solidFill>
-                <a:schemeClr val="lt2"/>
+                <a:schemeClr val="tx1"/>
               </a:solidFill>
             </a:endParaRPr>
           </a:p>
@@ -16683,7 +17173,7 @@
             </a:pPr>
             <a:endParaRPr dirty="0">
               <a:solidFill>
-                <a:schemeClr val="lt2"/>
+                <a:schemeClr val="tx1"/>
               </a:solidFill>
             </a:endParaRPr>
           </a:p>
@@ -16898,14 +17388,14 @@
             <a:r>
               <a:rPr lang="ru-RU" dirty="0" smtClean="0">
                 <a:solidFill>
-                  <a:schemeClr val="lt2"/>
+                  <a:schemeClr val="tx1"/>
                 </a:solidFill>
               </a:rPr>
               <a:t>Совмещение интерфейса и функций</a:t>
             </a:r>
             <a:endParaRPr dirty="0">
               <a:solidFill>
-                <a:schemeClr val="lt2"/>
+                <a:schemeClr val="tx1"/>
               </a:solidFill>
             </a:endParaRPr>
           </a:p>
@@ -16958,16 +17448,24 @@
               <a:buNone/>
             </a:pPr>
             <a:r>
+              <a:rPr lang="ru-RU" dirty="0">
+                <a:solidFill>
+                  <a:schemeClr val="tx1"/>
+                </a:solidFill>
+              </a:rPr>
+              <a:t>Разработка</a:t>
+            </a:r>
+            <a:r>
               <a:rPr lang="ru-RU" dirty="0" smtClean="0">
                 <a:solidFill>
-                  <a:schemeClr val="lt2"/>
+                  <a:schemeClr val="tx1"/>
                 </a:solidFill>
               </a:rPr>
-              <a:t>Разработка макета</a:t>
+              <a:t> макета</a:t>
             </a:r>
             <a:endParaRPr dirty="0">
               <a:solidFill>
-                <a:schemeClr val="lt2"/>
+                <a:schemeClr val="tx1"/>
               </a:solidFill>
             </a:endParaRPr>
           </a:p>
@@ -17042,14 +17540,14 @@
             <a:r>
               <a:rPr lang="ru-RU" dirty="0" smtClean="0">
                 <a:solidFill>
-                  <a:schemeClr val="lt2"/>
+                  <a:schemeClr val="tx1"/>
                 </a:solidFill>
               </a:rPr>
               <a:t>Тестирование</a:t>
             </a:r>
             <a:endParaRPr dirty="0">
               <a:solidFill>
-                <a:schemeClr val="lt2"/>
+                <a:schemeClr val="tx1"/>
               </a:solidFill>
             </a:endParaRPr>
           </a:p>
@@ -17069,7 +17567,7 @@
             </a:pPr>
             <a:endParaRPr dirty="0">
               <a:solidFill>
-                <a:schemeClr val="lt2"/>
+                <a:schemeClr val="tx1"/>
               </a:solidFill>
             </a:endParaRPr>
           </a:p>
@@ -17124,14 +17622,14 @@
             <a:r>
               <a:rPr lang="ru-RU" dirty="0" smtClean="0">
                 <a:solidFill>
-                  <a:schemeClr val="lt2"/>
+                  <a:schemeClr val="tx1"/>
                 </a:solidFill>
               </a:rPr>
               <a:t>Разработка прототипа интерфейса</a:t>
             </a:r>
             <a:endParaRPr dirty="0">
               <a:solidFill>
-                <a:schemeClr val="lt2"/>
+                <a:schemeClr val="tx1"/>
               </a:solidFill>
             </a:endParaRPr>
           </a:p>
@@ -17151,7 +17649,7 @@
             </a:pPr>
             <a:endParaRPr dirty="0">
               <a:solidFill>
-                <a:schemeClr val="lt2"/>
+                <a:schemeClr val="tx1"/>
               </a:solidFill>
             </a:endParaRPr>
           </a:p>
@@ -17204,12 +17702,28 @@
               <a:buNone/>
             </a:pPr>
             <a:r>
+              <a:rPr lang="ru-RU" dirty="0">
+                <a:solidFill>
+                  <a:schemeClr val="lt2"/>
+                </a:solidFill>
+              </a:rPr>
+              <a:t>Расширение</a:t>
+            </a:r>
+            <a:r>
               <a:rPr lang="ru-RU" dirty="0" smtClean="0">
                 <a:solidFill>
+                  <a:schemeClr val="tx1"/>
+                </a:solidFill>
+              </a:rPr>
+              <a:t> </a:t>
+            </a:r>
+            <a:r>
+              <a:rPr lang="ru-RU" dirty="0">
+                <a:solidFill>
                   <a:schemeClr val="lt2"/>
                 </a:solidFill>
               </a:rPr>
-              <a:t>Расширение функционала</a:t>
+              <a:t>функционала</a:t>
             </a:r>
             <a:endParaRPr dirty="0">
               <a:solidFill>
@@ -17233,7 +17747,7 @@
             </a:pPr>
             <a:endParaRPr dirty="0">
               <a:solidFill>
-                <a:schemeClr val="lt2"/>
+                <a:schemeClr val="tx1"/>
               </a:solidFill>
             </a:endParaRPr>
           </a:p>
@@ -17251,7 +17765,7 @@
         </p:nvSpPr>
         <p:spPr>
           <a:xfrm>
-            <a:off x="540000" y="720000"/>
+            <a:off x="539966" y="511001"/>
             <a:ext cx="8065200" cy="320400"/>
           </a:xfrm>
           <a:prstGeom prst="rect">
@@ -17282,11 +17796,15 @@
               <a:buNone/>
             </a:pPr>
             <a:r>
-              <a:rPr lang="ru" dirty="0"/>
-              <a:t>План </a:t>
+              <a:rPr lang="ru" sz="2400" dirty="0"/>
+              <a:t>План</a:t>
             </a:r>
             <a:r>
-              <a:rPr lang="ru" dirty="0" smtClean="0"/>
+              <a:rPr lang="ru" dirty="0"/>
+              <a:t> </a:t>
+            </a:r>
+            <a:r>
+              <a:rPr lang="ru" sz="2400" dirty="0" smtClean="0"/>
               <a:t>проекта</a:t>
             </a:r>
             <a:endParaRPr dirty="0"/>
@@ -17444,7 +17962,7 @@
 </p:sld>
 </file>
 
-<file path=ppt/slides/slide8.xml><?xml version="1.0" encoding="utf-8"?>
+<file path=ppt/slides/slide9.xml><?xml version="1.0" encoding="utf-8"?>
 <p:sld xmlns:a="http://schemas.openxmlformats.org/drawingml/2006/main" xmlns:r="http://schemas.openxmlformats.org/officeDocument/2006/relationships" xmlns:p="http://schemas.openxmlformats.org/presentationml/2006/main">
   <p:cSld>
     <p:spTree>
@@ -17474,7 +17992,7 @@
         <p:spPr>
           <a:xfrm>
             <a:off x="540000" y="1260000"/>
-            <a:ext cx="8064000" cy="3240000"/>
+            <a:ext cx="4441903" cy="3240000"/>
           </a:xfrm>
           <a:prstGeom prst="rect">
             <a:avLst/>
@@ -17504,18 +18022,18 @@
               <a:buNone/>
             </a:pPr>
             <a:r>
-              <a:rPr lang="ru-RU" dirty="0" smtClean="0"/>
-              <a:t>Возможно, что приложение возымеет успех на нашем производстве, после чего будет пользоваться спросом на других фабриках компании </a:t>
+              <a:rPr lang="ru-RU" sz="1600" dirty="0" smtClean="0"/>
+              <a:t>После того как приложение будет успешно интегрировано в производственную практику ООО «</a:t>
             </a:r>
             <a:r>
-              <a:rPr lang="ru-RU" dirty="0" err="1" smtClean="0"/>
+              <a:rPr lang="ru-RU" sz="1600" dirty="0" err="1" smtClean="0"/>
               <a:t>ЛузаЛес</a:t>
             </a:r>
             <a:r>
-              <a:rPr lang="ru-RU" dirty="0" smtClean="0"/>
-              <a:t>, начиная с производства лесопиления и заканчивая складскими секторами с готовой продукцией мебельного производства или даже складскими помещениями мебельных магазинов.</a:t>
+              <a:rPr lang="ru-RU" sz="1600" dirty="0" smtClean="0"/>
+              <a:t>», оно будет также протестировано в других фабриках компании, а также на производствах лесопиления, складских секторах с готовой продукцией мебельного производства.</a:t>
             </a:r>
-            <a:endParaRPr dirty="0"/>
+            <a:endParaRPr sz="1600" dirty="0"/>
           </a:p>
         </p:txBody>
       </p:sp>
@@ -17531,8 +18049,8 @@
         </p:nvSpPr>
         <p:spPr>
           <a:xfrm>
-            <a:off x="540000" y="720000"/>
-            <a:ext cx="8064000" cy="282600"/>
+            <a:off x="540000" y="572855"/>
+            <a:ext cx="8064000" cy="374810"/>
           </a:xfrm>
           <a:prstGeom prst="rect">
             <a:avLst/>
@@ -17562,105 +18080,23 @@
               <a:buNone/>
             </a:pPr>
             <a:r>
-              <a:rPr lang="ru">
+              <a:rPr lang="ru" sz="2400" dirty="0">
                 <a:solidFill>
                   <a:schemeClr val="dk1"/>
                 </a:solidFill>
               </a:rPr>
               <a:t>Идеи на будущее</a:t>
             </a:r>
-            <a:endParaRPr>
+            <a:endParaRPr sz="2400" dirty="0">
               <a:solidFill>
                 <a:schemeClr val="dk1"/>
               </a:solidFill>
-              <a:latin typeface="IBM Plex Sans SemiBold"/>
-              <a:ea typeface="IBM Plex Sans SemiBold"/>
-              <a:cs typeface="IBM Plex Sans SemiBold"/>
               <a:sym typeface="IBM Plex Sans SemiBold"/>
             </a:endParaRPr>
           </a:p>
         </p:txBody>
       </p:sp>
     </p:spTree>
-  </p:cSld>
-  <p:clrMapOvr>
-    <a:masterClrMapping/>
-  </p:clrMapOvr>
-  <p:timing>
-    <p:tnLst>
-      <p:par>
-        <p:cTn id="1" dur="indefinite" restart="never" nodeType="tmRoot"/>
-      </p:par>
-    </p:tnLst>
-  </p:timing>
-</p:sld>
-</file>
-
-<file path=ppt/slides/slide9.xml><?xml version="1.0" encoding="utf-8"?>
-<p:sld xmlns:a="http://schemas.openxmlformats.org/drawingml/2006/main" xmlns:r="http://schemas.openxmlformats.org/officeDocument/2006/relationships" xmlns:p="http://schemas.openxmlformats.org/presentationml/2006/main">
-  <p:cSld>
-    <p:spTree>
-      <p:nvGrpSpPr>
-        <p:cNvPr id="1" name=""/>
-        <p:cNvGrpSpPr/>
-        <p:nvPr/>
-      </p:nvGrpSpPr>
-      <p:grpSpPr>
-        <a:xfrm>
-          <a:off x="0" y="0"/>
-          <a:ext cx="0" cy="0"/>
-          <a:chOff x="0" y="0"/>
-          <a:chExt cx="0" cy="0"/>
-        </a:xfrm>
-      </p:grpSpPr>
-      <p:sp>
-        <p:nvSpPr>
-          <p:cNvPr id="2" name="Подзаголовок 1"/>
-          <p:cNvSpPr>
-            <a:spLocks noGrp="1"/>
-          </p:cNvSpPr>
-          <p:nvPr>
-            <p:ph type="subTitle" idx="1"/>
-          </p:nvPr>
-        </p:nvSpPr>
-        <p:spPr/>
-        <p:txBody>
-          <a:bodyPr/>
-          <a:lstStyle/>
-          <a:p>
-            <a:endParaRPr lang="ru-RU" dirty="0"/>
-          </a:p>
-        </p:txBody>
-      </p:sp>
-      <p:sp>
-        <p:nvSpPr>
-          <p:cNvPr id="3" name="Заголовок 2"/>
-          <p:cNvSpPr>
-            <a:spLocks noGrp="1"/>
-          </p:cNvSpPr>
-          <p:nvPr>
-            <p:ph type="title"/>
-          </p:nvPr>
-        </p:nvSpPr>
-        <p:spPr/>
-        <p:txBody>
-          <a:bodyPr/>
-          <a:lstStyle/>
-          <a:p>
-            <a:r>
-              <a:rPr lang="ru-RU" dirty="0" smtClean="0"/>
-              <a:t>Вопросы?</a:t>
-            </a:r>
-            <a:endParaRPr lang="ru-RU" dirty="0"/>
-          </a:p>
-        </p:txBody>
-      </p:sp>
-    </p:spTree>
-    <p:extLst>
-      <p:ext uri="{BB962C8B-B14F-4D97-AF65-F5344CB8AC3E}">
-        <p14:creationId xmlns:p14="http://schemas.microsoft.com/office/powerpoint/2010/main" val="1480200762"/>
-      </p:ext>
-    </p:extLst>
   </p:cSld>
   <p:clrMapOvr>
     <a:masterClrMapping/>
